--- a/国标简介资料/国标28181简介.pptx
+++ b/国标简介资料/国标28181简介.pptx
@@ -8,9 +8,18 @@
     <p:sldId id="257" r:id="rId2"/>
     <p:sldId id="258" r:id="rId3"/>
     <p:sldId id="259" r:id="rId4"/>
-    <p:sldId id="262" r:id="rId5"/>
-    <p:sldId id="260" r:id="rId6"/>
-    <p:sldId id="261" r:id="rId7"/>
+    <p:sldId id="264" r:id="rId5"/>
+    <p:sldId id="265" r:id="rId6"/>
+    <p:sldId id="266" r:id="rId7"/>
+    <p:sldId id="262" r:id="rId8"/>
+    <p:sldId id="268" r:id="rId9"/>
+    <p:sldId id="269" r:id="rId10"/>
+    <p:sldId id="270" r:id="rId11"/>
+    <p:sldId id="263" r:id="rId12"/>
+    <p:sldId id="267" r:id="rId13"/>
+    <p:sldId id="271" r:id="rId14"/>
+    <p:sldId id="260" r:id="rId15"/>
+    <p:sldId id="261" r:id="rId16"/>
   </p:sldIdLst>
   <p:sldSz cx="9144000" cy="6858000" type="screen4x3"/>
   <p:notesSz cx="6858000" cy="9144000"/>
@@ -161,7 +170,7 @@
           </a:ln>
           <a:extLst>
             <a:ext uri="{91240B29-F687-4F45-9708-019B960494DF}">
-              <a14:hiddenLine xmlns:a14="http://schemas.microsoft.com/office/drawing/2010/main" w="57150">
+              <a14:hiddenLine xmlns:a14="http://schemas.microsoft.com/office/drawing/2010/main" xmlns="" w="57150">
                 <a:solidFill>
                   <a:srgbClr val="000000"/>
                 </a:solidFill>
@@ -279,7 +288,7 @@
           </a:ln>
           <a:extLst>
             <a:ext uri="{909E8E84-426E-40DD-AFC4-6F175D3DCCD1}">
-              <a14:hiddenFill xmlns:a14="http://schemas.microsoft.com/office/drawing/2010/main">
+              <a14:hiddenFill xmlns:a14="http://schemas.microsoft.com/office/drawing/2010/main" xmlns="">
                 <a:noFill/>
               </a14:hiddenFill>
             </a:ext>
@@ -314,10 +323,10 @@
           <p:nvPr/>
         </p:nvPicPr>
         <p:blipFill>
-          <a:blip r:embed="rId2">
+          <a:blip r:embed="rId2" cstate="print">
             <a:extLst>
               <a:ext uri="{28A0092B-C50C-407E-A947-70E740481C1C}">
-                <a14:useLocalDpi xmlns:a14="http://schemas.microsoft.com/office/drawing/2010/main" val="0"/>
+                <a14:useLocalDpi xmlns:a14="http://schemas.microsoft.com/office/drawing/2010/main" xmlns="" val="0"/>
               </a:ext>
             </a:extLst>
           </a:blip>
@@ -340,14 +349,14 @@
           </a:ln>
           <a:extLst>
             <a:ext uri="{909E8E84-426E-40DD-AFC4-6F175D3DCCD1}">
-              <a14:hiddenFill xmlns:a14="http://schemas.microsoft.com/office/drawing/2010/main">
+              <a14:hiddenFill xmlns:a14="http://schemas.microsoft.com/office/drawing/2010/main" xmlns="">
                 <a:solidFill>
                   <a:srgbClr val="FFFFFF"/>
                 </a:solidFill>
               </a14:hiddenFill>
             </a:ext>
             <a:ext uri="{91240B29-F687-4F45-9708-019B960494DF}">
-              <a14:hiddenLine xmlns:a14="http://schemas.microsoft.com/office/drawing/2010/main" w="9525">
+              <a14:hiddenLine xmlns:a14="http://schemas.microsoft.com/office/drawing/2010/main" xmlns="" w="9525">
                 <a:solidFill>
                   <a:srgbClr val="000000"/>
                 </a:solidFill>
@@ -368,10 +377,10 @@
           <p:nvPr/>
         </p:nvPicPr>
         <p:blipFill>
-          <a:blip r:embed="rId3">
+          <a:blip r:embed="rId3" cstate="print">
             <a:extLst>
               <a:ext uri="{28A0092B-C50C-407E-A947-70E740481C1C}">
-                <a14:useLocalDpi xmlns:a14="http://schemas.microsoft.com/office/drawing/2010/main" val="0"/>
+                <a14:useLocalDpi xmlns:a14="http://schemas.microsoft.com/office/drawing/2010/main" xmlns="" val="0"/>
               </a:ext>
             </a:extLst>
           </a:blip>
@@ -394,14 +403,14 @@
           </a:ln>
           <a:extLst>
             <a:ext uri="{909E8E84-426E-40DD-AFC4-6F175D3DCCD1}">
-              <a14:hiddenFill xmlns:a14="http://schemas.microsoft.com/office/drawing/2010/main">
+              <a14:hiddenFill xmlns:a14="http://schemas.microsoft.com/office/drawing/2010/main" xmlns="">
                 <a:solidFill>
                   <a:srgbClr val="FFFFFF"/>
                 </a:solidFill>
               </a14:hiddenFill>
             </a:ext>
             <a:ext uri="{91240B29-F687-4F45-9708-019B960494DF}">
-              <a14:hiddenLine xmlns:a14="http://schemas.microsoft.com/office/drawing/2010/main" w="9525">
+              <a14:hiddenLine xmlns:a14="http://schemas.microsoft.com/office/drawing/2010/main" xmlns="" w="9525">
                 <a:solidFill>
                   <a:srgbClr val="000000"/>
                 </a:solidFill>
@@ -490,7 +499,7 @@
     </p:spTree>
     <p:extLst>
       <p:ext uri="{BB962C8B-B14F-4D97-AF65-F5344CB8AC3E}">
-        <p14:creationId xmlns:p14="http://schemas.microsoft.com/office/powerpoint/2010/main" val="438196305"/>
+        <p14:creationId xmlns:p14="http://schemas.microsoft.com/office/powerpoint/2010/main" xmlns="" val="438196305"/>
       </p:ext>
     </p:extLst>
   </p:cSld>
@@ -627,7 +636,7 @@
     </p:spTree>
     <p:extLst>
       <p:ext uri="{BB962C8B-B14F-4D97-AF65-F5344CB8AC3E}">
-        <p14:creationId xmlns:p14="http://schemas.microsoft.com/office/powerpoint/2010/main" val="2231538683"/>
+        <p14:creationId xmlns:p14="http://schemas.microsoft.com/office/powerpoint/2010/main" xmlns="" val="2231538683"/>
       </p:ext>
     </p:extLst>
   </p:cSld>
@@ -774,7 +783,7 @@
     </p:spTree>
     <p:extLst>
       <p:ext uri="{BB962C8B-B14F-4D97-AF65-F5344CB8AC3E}">
-        <p14:creationId xmlns:p14="http://schemas.microsoft.com/office/powerpoint/2010/main" val="2568472205"/>
+        <p14:creationId xmlns:p14="http://schemas.microsoft.com/office/powerpoint/2010/main" xmlns="" val="2568472205"/>
       </p:ext>
     </p:extLst>
   </p:cSld>
@@ -911,7 +920,7 @@
     </p:spTree>
     <p:extLst>
       <p:ext uri="{BB962C8B-B14F-4D97-AF65-F5344CB8AC3E}">
-        <p14:creationId xmlns:p14="http://schemas.microsoft.com/office/powerpoint/2010/main" val="421498839"/>
+        <p14:creationId xmlns:p14="http://schemas.microsoft.com/office/powerpoint/2010/main" xmlns="" val="421498839"/>
       </p:ext>
     </p:extLst>
   </p:cSld>
@@ -1070,7 +1079,7 @@
     </p:spTree>
     <p:extLst>
       <p:ext uri="{BB962C8B-B14F-4D97-AF65-F5344CB8AC3E}">
-        <p14:creationId xmlns:p14="http://schemas.microsoft.com/office/powerpoint/2010/main" val="3232808023"/>
+        <p14:creationId xmlns:p14="http://schemas.microsoft.com/office/powerpoint/2010/main" xmlns="" val="3232808023"/>
       </p:ext>
     </p:extLst>
   </p:cSld>
@@ -1325,7 +1334,7 @@
     </p:spTree>
     <p:extLst>
       <p:ext uri="{BB962C8B-B14F-4D97-AF65-F5344CB8AC3E}">
-        <p14:creationId xmlns:p14="http://schemas.microsoft.com/office/powerpoint/2010/main" val="1305484495"/>
+        <p14:creationId xmlns:p14="http://schemas.microsoft.com/office/powerpoint/2010/main" xmlns="" val="1305484495"/>
       </p:ext>
     </p:extLst>
   </p:cSld>
@@ -1719,7 +1728,7 @@
     </p:spTree>
     <p:extLst>
       <p:ext uri="{BB962C8B-B14F-4D97-AF65-F5344CB8AC3E}">
-        <p14:creationId xmlns:p14="http://schemas.microsoft.com/office/powerpoint/2010/main" val="3272542776"/>
+        <p14:creationId xmlns:p14="http://schemas.microsoft.com/office/powerpoint/2010/main" xmlns="" val="3272542776"/>
       </p:ext>
     </p:extLst>
   </p:cSld>
@@ -1804,7 +1813,7 @@
     </p:spTree>
     <p:extLst>
       <p:ext uri="{BB962C8B-B14F-4D97-AF65-F5344CB8AC3E}">
-        <p14:creationId xmlns:p14="http://schemas.microsoft.com/office/powerpoint/2010/main" val="3999323273"/>
+        <p14:creationId xmlns:p14="http://schemas.microsoft.com/office/powerpoint/2010/main" xmlns="" val="3999323273"/>
       </p:ext>
     </p:extLst>
   </p:cSld>
@@ -1866,7 +1875,7 @@
     </p:spTree>
     <p:extLst>
       <p:ext uri="{BB962C8B-B14F-4D97-AF65-F5344CB8AC3E}">
-        <p14:creationId xmlns:p14="http://schemas.microsoft.com/office/powerpoint/2010/main" val="165350968"/>
+        <p14:creationId xmlns:p14="http://schemas.microsoft.com/office/powerpoint/2010/main" xmlns="" val="165350968"/>
       </p:ext>
     </p:extLst>
   </p:cSld>
@@ -2110,7 +2119,7 @@
     </p:spTree>
     <p:extLst>
       <p:ext uri="{BB962C8B-B14F-4D97-AF65-F5344CB8AC3E}">
-        <p14:creationId xmlns:p14="http://schemas.microsoft.com/office/powerpoint/2010/main" val="1251583034"/>
+        <p14:creationId xmlns:p14="http://schemas.microsoft.com/office/powerpoint/2010/main" xmlns="" val="1251583034"/>
       </p:ext>
     </p:extLst>
   </p:cSld>
@@ -2334,7 +2343,7 @@
     </p:spTree>
     <p:extLst>
       <p:ext uri="{BB962C8B-B14F-4D97-AF65-F5344CB8AC3E}">
-        <p14:creationId xmlns:p14="http://schemas.microsoft.com/office/powerpoint/2010/main" val="3146770152"/>
+        <p14:creationId xmlns:p14="http://schemas.microsoft.com/office/powerpoint/2010/main" xmlns="" val="3146770152"/>
       </p:ext>
     </p:extLst>
   </p:cSld>
@@ -2378,11 +2387,11 @@
           <p:nvPr/>
         </p:nvPicPr>
         <p:blipFill>
-          <a:blip r:embed="rId13">
+          <a:blip r:embed="rId13" cstate="print">
             <a:lum bright="18000" contrast="-12000"/>
             <a:extLst>
               <a:ext uri="{28A0092B-C50C-407E-A947-70E740481C1C}">
-                <a14:useLocalDpi xmlns:a14="http://schemas.microsoft.com/office/drawing/2010/main" val="0"/>
+                <a14:useLocalDpi xmlns:a14="http://schemas.microsoft.com/office/drawing/2010/main" xmlns="" val="0"/>
               </a:ext>
             </a:extLst>
           </a:blip>
@@ -2405,14 +2414,14 @@
           </a:ln>
           <a:extLst>
             <a:ext uri="{909E8E84-426E-40DD-AFC4-6F175D3DCCD1}">
-              <a14:hiddenFill xmlns:a14="http://schemas.microsoft.com/office/drawing/2010/main">
+              <a14:hiddenFill xmlns:a14="http://schemas.microsoft.com/office/drawing/2010/main" xmlns="">
                 <a:solidFill>
                   <a:srgbClr val="FFFFFF"/>
                 </a:solidFill>
               </a14:hiddenFill>
             </a:ext>
             <a:ext uri="{91240B29-F687-4F45-9708-019B960494DF}">
-              <a14:hiddenLine xmlns:a14="http://schemas.microsoft.com/office/drawing/2010/main" w="9525">
+              <a14:hiddenLine xmlns:a14="http://schemas.microsoft.com/office/drawing/2010/main" xmlns="" w="9525">
                 <a:solidFill>
                   <a:srgbClr val="000000"/>
                 </a:solidFill>
@@ -2448,14 +2457,14 @@
           </a:ln>
           <a:extLst>
             <a:ext uri="{909E8E84-426E-40DD-AFC4-6F175D3DCCD1}">
-              <a14:hiddenFill xmlns:a14="http://schemas.microsoft.com/office/drawing/2010/main">
+              <a14:hiddenFill xmlns:a14="http://schemas.microsoft.com/office/drawing/2010/main" xmlns="">
                 <a:solidFill>
                   <a:srgbClr val="FFFFFF"/>
                 </a:solidFill>
               </a14:hiddenFill>
             </a:ext>
             <a:ext uri="{91240B29-F687-4F45-9708-019B960494DF}">
-              <a14:hiddenLine xmlns:a14="http://schemas.microsoft.com/office/drawing/2010/main" w="9525">
+              <a14:hiddenLine xmlns:a14="http://schemas.microsoft.com/office/drawing/2010/main" xmlns="" w="9525">
                 <a:solidFill>
                   <a:srgbClr val="000000"/>
                 </a:solidFill>
@@ -2506,14 +2515,14 @@
           </a:ln>
           <a:extLst>
             <a:ext uri="{909E8E84-426E-40DD-AFC4-6F175D3DCCD1}">
-              <a14:hiddenFill xmlns:a14="http://schemas.microsoft.com/office/drawing/2010/main">
+              <a14:hiddenFill xmlns:a14="http://schemas.microsoft.com/office/drawing/2010/main" xmlns="">
                 <a:solidFill>
                   <a:srgbClr val="FFFFFF"/>
                 </a:solidFill>
               </a14:hiddenFill>
             </a:ext>
             <a:ext uri="{91240B29-F687-4F45-9708-019B960494DF}">
-              <a14:hiddenLine xmlns:a14="http://schemas.microsoft.com/office/drawing/2010/main" w="9525">
+              <a14:hiddenLine xmlns:a14="http://schemas.microsoft.com/office/drawing/2010/main" xmlns="" w="9525">
                 <a:solidFill>
                   <a:srgbClr val="000000"/>
                 </a:solidFill>
@@ -2578,7 +2587,7 @@
           </a:ln>
           <a:extLst>
             <a:ext uri="{91240B29-F687-4F45-9708-019B960494DF}">
-              <a14:hiddenLine xmlns:a14="http://schemas.microsoft.com/office/drawing/2010/main" w="57150">
+              <a14:hiddenLine xmlns:a14="http://schemas.microsoft.com/office/drawing/2010/main" xmlns="" w="57150">
                 <a:solidFill>
                   <a:srgbClr val="000000"/>
                 </a:solidFill>
@@ -2636,7 +2645,7 @@
           </a:ln>
           <a:extLst>
             <a:ext uri="{909E8E84-426E-40DD-AFC4-6F175D3DCCD1}">
-              <a14:hiddenFill xmlns:a14="http://schemas.microsoft.com/office/drawing/2010/main">
+              <a14:hiddenFill xmlns:a14="http://schemas.microsoft.com/office/drawing/2010/main" xmlns="">
                 <a:noFill/>
               </a14:hiddenFill>
             </a:ext>
@@ -2671,10 +2680,10 @@
           <p:nvPr/>
         </p:nvPicPr>
         <p:blipFill>
-          <a:blip r:embed="rId14">
+          <a:blip r:embed="rId14" cstate="print">
             <a:extLst>
               <a:ext uri="{28A0092B-C50C-407E-A947-70E740481C1C}">
-                <a14:useLocalDpi xmlns:a14="http://schemas.microsoft.com/office/drawing/2010/main" val="0"/>
+                <a14:useLocalDpi xmlns:a14="http://schemas.microsoft.com/office/drawing/2010/main" xmlns="" val="0"/>
               </a:ext>
             </a:extLst>
           </a:blip>
@@ -2697,14 +2706,14 @@
           </a:ln>
           <a:extLst>
             <a:ext uri="{909E8E84-426E-40DD-AFC4-6F175D3DCCD1}">
-              <a14:hiddenFill xmlns:a14="http://schemas.microsoft.com/office/drawing/2010/main">
+              <a14:hiddenFill xmlns:a14="http://schemas.microsoft.com/office/drawing/2010/main" xmlns="">
                 <a:solidFill>
                   <a:srgbClr val="FFFFFF"/>
                 </a:solidFill>
               </a14:hiddenFill>
             </a:ext>
             <a:ext uri="{91240B29-F687-4F45-9708-019B960494DF}">
-              <a14:hiddenLine xmlns:a14="http://schemas.microsoft.com/office/drawing/2010/main" w="9525">
+              <a14:hiddenLine xmlns:a14="http://schemas.microsoft.com/office/drawing/2010/main" xmlns="" w="9525">
                 <a:solidFill>
                   <a:srgbClr val="000000"/>
                 </a:solidFill>
@@ -2748,7 +2757,7 @@
           </a:ln>
           <a:extLst>
             <a:ext uri="{91240B29-F687-4F45-9708-019B960494DF}">
-              <a14:hiddenLine xmlns:a14="http://schemas.microsoft.com/office/drawing/2010/main" w="9525">
+              <a14:hiddenLine xmlns:a14="http://schemas.microsoft.com/office/drawing/2010/main" xmlns="" w="9525">
                 <a:solidFill>
                   <a:srgbClr val="000000"/>
                 </a:solidFill>
@@ -2847,11 +2856,11 @@
           <p:nvPr/>
         </p:nvPicPr>
         <p:blipFill>
-          <a:blip r:embed="rId15">
+          <a:blip r:embed="rId15" cstate="print">
             <a:lum bright="6000"/>
             <a:extLst>
               <a:ext uri="{28A0092B-C50C-407E-A947-70E740481C1C}">
-                <a14:useLocalDpi xmlns:a14="http://schemas.microsoft.com/office/drawing/2010/main" val="0"/>
+                <a14:useLocalDpi xmlns:a14="http://schemas.microsoft.com/office/drawing/2010/main" xmlns="" val="0"/>
               </a:ext>
             </a:extLst>
           </a:blip>
@@ -2874,14 +2883,14 @@
           </a:ln>
           <a:extLst>
             <a:ext uri="{909E8E84-426E-40DD-AFC4-6F175D3DCCD1}">
-              <a14:hiddenFill xmlns:a14="http://schemas.microsoft.com/office/drawing/2010/main">
+              <a14:hiddenFill xmlns:a14="http://schemas.microsoft.com/office/drawing/2010/main" xmlns="">
                 <a:solidFill>
                   <a:srgbClr val="FFFFFF"/>
                 </a:solidFill>
               </a14:hiddenFill>
             </a:ext>
             <a:ext uri="{91240B29-F687-4F45-9708-019B960494DF}">
-              <a14:hiddenLine xmlns:a14="http://schemas.microsoft.com/office/drawing/2010/main" w="9525">
+              <a14:hiddenLine xmlns:a14="http://schemas.microsoft.com/office/drawing/2010/main" xmlns="" w="9525">
                 <a:solidFill>
                   <a:srgbClr val="000000"/>
                 </a:solidFill>
@@ -2925,7 +2934,7 @@
           </a:ln>
           <a:extLst>
             <a:ext uri="{91240B29-F687-4F45-9708-019B960494DF}">
-              <a14:hiddenLine xmlns:a14="http://schemas.microsoft.com/office/drawing/2010/main" w="9525">
+              <a14:hiddenLine xmlns:a14="http://schemas.microsoft.com/office/drawing/2010/main" xmlns="" w="9525">
                 <a:solidFill>
                   <a:srgbClr val="000000"/>
                 </a:solidFill>
@@ -2959,7 +2968,7 @@
     </p:spTree>
     <p:extLst>
       <p:ext uri="{BB962C8B-B14F-4D97-AF65-F5344CB8AC3E}">
-        <p14:creationId xmlns:p14="http://schemas.microsoft.com/office/powerpoint/2010/main" val="2720035770"/>
+        <p14:creationId xmlns:p14="http://schemas.microsoft.com/office/powerpoint/2010/main" xmlns="" val="2720035770"/>
       </p:ext>
     </p:extLst>
   </p:cSld>
@@ -3456,14 +3465,14 @@
           </a:ln>
           <a:extLst>
             <a:ext uri="{909E8E84-426E-40DD-AFC4-6F175D3DCCD1}">
-              <a14:hiddenFill xmlns:a14="http://schemas.microsoft.com/office/drawing/2010/main">
+              <a14:hiddenFill xmlns:a14="http://schemas.microsoft.com/office/drawing/2010/main" xmlns="">
                 <a:solidFill>
                   <a:srgbClr val="FFFFFF"/>
                 </a:solidFill>
               </a14:hiddenFill>
             </a:ext>
             <a:ext uri="{91240B29-F687-4F45-9708-019B960494DF}">
-              <a14:hiddenLine xmlns:a14="http://schemas.microsoft.com/office/drawing/2010/main" w="9525">
+              <a14:hiddenLine xmlns:a14="http://schemas.microsoft.com/office/drawing/2010/main" xmlns="" w="9525">
                 <a:solidFill>
                   <a:srgbClr val="000000"/>
                 </a:solidFill>
@@ -3667,7 +3676,910 @@
     </p:spTree>
     <p:extLst>
       <p:ext uri="{BB962C8B-B14F-4D97-AF65-F5344CB8AC3E}">
-        <p14:creationId xmlns:p14="http://schemas.microsoft.com/office/powerpoint/2010/main" val="1362419946"/>
+        <p14:creationId xmlns:p14="http://schemas.microsoft.com/office/powerpoint/2010/main" xmlns="" val="1362419946"/>
+      </p:ext>
+    </p:extLst>
+  </p:cSld>
+  <p:clrMapOvr>
+    <a:masterClrMapping/>
+  </p:clrMapOvr>
+  <p:timing>
+    <p:tnLst>
+      <p:par>
+        <p:cTn id="1" dur="indefinite" restart="never" nodeType="tmRoot"/>
+      </p:par>
+    </p:tnLst>
+  </p:timing>
+</p:sld>
+</file>
+
+<file path=ppt/slides/slide10.xml><?xml version="1.0" encoding="utf-8"?>
+<p:sld xmlns:a="http://schemas.openxmlformats.org/drawingml/2006/main" xmlns:r="http://schemas.openxmlformats.org/officeDocument/2006/relationships" xmlns:p="http://schemas.openxmlformats.org/presentationml/2006/main">
+  <p:cSld>
+    <p:spTree>
+      <p:nvGrpSpPr>
+        <p:cNvPr id="1" name=""/>
+        <p:cNvGrpSpPr/>
+        <p:nvPr/>
+      </p:nvGrpSpPr>
+      <p:grpSpPr>
+        <a:xfrm>
+          <a:off x="0" y="0"/>
+          <a:ext cx="0" cy="0"/>
+          <a:chOff x="0" y="0"/>
+          <a:chExt cx="0" cy="0"/>
+        </a:xfrm>
+      </p:grpSpPr>
+      <p:sp>
+        <p:nvSpPr>
+          <p:cNvPr id="2" name="标题 1"/>
+          <p:cNvSpPr>
+            <a:spLocks noGrp="1"/>
+          </p:cNvSpPr>
+          <p:nvPr>
+            <p:ph type="title"/>
+          </p:nvPr>
+        </p:nvSpPr>
+        <p:spPr/>
+        <p:txBody>
+          <a:bodyPr/>
+          <a:lstStyle/>
+          <a:p>
+            <a:r>
+              <a:rPr lang="zh-CN" altLang="en-US" dirty="0" smtClean="0"/>
+              <a:t>基本对接方式与流程</a:t>
+            </a:r>
+            <a:r>
+              <a:rPr lang="en-US" altLang="zh-CN" dirty="0" smtClean="0"/>
+              <a:t/>
+            </a:r>
+            <a:br>
+              <a:rPr lang="en-US" altLang="zh-CN" dirty="0" smtClean="0"/>
+            </a:br>
+            <a:r>
+              <a:rPr lang="en-US" altLang="zh-CN" dirty="0" smtClean="0"/>
+              <a:t>——GB/T 28181</a:t>
+            </a:r>
+            <a:r>
+              <a:rPr lang="zh-CN" altLang="en-US" dirty="0" smtClean="0"/>
+              <a:t>协议概述</a:t>
+            </a:r>
+            <a:endParaRPr lang="zh-CN" altLang="en-US" dirty="0"/>
+          </a:p>
+        </p:txBody>
+      </p:sp>
+      <p:sp>
+        <p:nvSpPr>
+          <p:cNvPr id="3" name="内容占位符 2"/>
+          <p:cNvSpPr>
+            <a:spLocks noGrp="1"/>
+          </p:cNvSpPr>
+          <p:nvPr>
+            <p:ph idx="1"/>
+          </p:nvPr>
+        </p:nvSpPr>
+        <p:spPr/>
+        <p:txBody>
+          <a:bodyPr/>
+          <a:lstStyle/>
+          <a:p>
+            <a:r>
+              <a:rPr lang="zh-CN" altLang="en-US" dirty="0" smtClean="0"/>
+              <a:t>联网系统</a:t>
+            </a:r>
+            <a:r>
+              <a:rPr lang="zh-CN" altLang="en-US" dirty="0" smtClean="0"/>
+              <a:t>应对前端设备</a:t>
+            </a:r>
+            <a:r>
+              <a:rPr lang="zh-CN" altLang="en-US" dirty="0" smtClean="0"/>
+              <a:t>、监控中心设备、用户终端 </a:t>
+            </a:r>
+            <a:r>
+              <a:rPr lang="en-US" altLang="zh-CN" dirty="0" smtClean="0"/>
+              <a:t>ID </a:t>
+            </a:r>
+            <a:r>
+              <a:rPr lang="zh-CN" altLang="en-US" dirty="0" smtClean="0"/>
+              <a:t>进行统一编码</a:t>
+            </a:r>
+            <a:r>
+              <a:rPr lang="zh-CN" altLang="en-US" dirty="0" smtClean="0"/>
+              <a:t>，该</a:t>
+            </a:r>
+            <a:r>
+              <a:rPr lang="zh-CN" altLang="en-US" dirty="0" smtClean="0"/>
+              <a:t>编码具有全局</a:t>
+            </a:r>
+            <a:r>
+              <a:rPr lang="zh-CN" altLang="en-US" dirty="0" smtClean="0"/>
+              <a:t>唯一性</a:t>
+            </a:r>
+            <a:endParaRPr lang="en-US" altLang="zh-CN" dirty="0" smtClean="0"/>
+          </a:p>
+          <a:p>
+            <a:r>
+              <a:rPr lang="zh-CN" altLang="en-US" dirty="0" smtClean="0"/>
+              <a:t>平台</a:t>
+            </a:r>
+            <a:r>
+              <a:rPr lang="zh-CN" altLang="en-US" dirty="0" smtClean="0"/>
+              <a:t>之间的</a:t>
+            </a:r>
+            <a:r>
+              <a:rPr lang="zh-CN" altLang="en-US" dirty="0" smtClean="0"/>
+              <a:t>通信应</a:t>
+            </a:r>
+            <a:r>
+              <a:rPr lang="zh-CN" altLang="en-US" dirty="0" smtClean="0"/>
+              <a:t>采用编码规则 </a:t>
+            </a:r>
+            <a:r>
+              <a:rPr lang="en-US" altLang="zh-CN" dirty="0" smtClean="0"/>
+              <a:t>A</a:t>
+            </a:r>
+            <a:r>
+              <a:rPr lang="zh-CN" altLang="en-US" dirty="0" smtClean="0"/>
+              <a:t>（ </a:t>
+            </a:r>
+            <a:r>
+              <a:rPr lang="en-US" altLang="zh-CN" dirty="0" smtClean="0"/>
+              <a:t>20 </a:t>
+            </a:r>
+            <a:r>
+              <a:rPr lang="zh-CN" altLang="en-US" dirty="0" smtClean="0"/>
+              <a:t>位十进制数字字符编码</a:t>
+            </a:r>
+            <a:r>
+              <a:rPr lang="zh-CN" altLang="en-US" dirty="0" smtClean="0"/>
+              <a:t>），局部</a:t>
+            </a:r>
+            <a:r>
+              <a:rPr lang="zh-CN" altLang="en-US" dirty="0" smtClean="0"/>
+              <a:t>应用系统也可用</a:t>
+            </a:r>
+            <a:r>
+              <a:rPr lang="zh-CN" altLang="en-US" dirty="0" smtClean="0"/>
+              <a:t>编码规则 </a:t>
+            </a:r>
+            <a:r>
+              <a:rPr lang="en-US" altLang="zh-CN" dirty="0" smtClean="0"/>
+              <a:t>B</a:t>
+            </a:r>
+            <a:r>
+              <a:rPr lang="zh-CN" altLang="en-US" dirty="0" smtClean="0"/>
+              <a:t>（ </a:t>
+            </a:r>
+            <a:r>
+              <a:rPr lang="en-US" altLang="zh-CN" dirty="0" smtClean="0"/>
+              <a:t>18 </a:t>
+            </a:r>
+            <a:r>
+              <a:rPr lang="zh-CN" altLang="en-US" dirty="0" smtClean="0"/>
+              <a:t>位十进制数字字符编码</a:t>
+            </a:r>
+            <a:r>
+              <a:rPr lang="zh-CN" altLang="en-US" dirty="0" smtClean="0"/>
+              <a:t>）</a:t>
+            </a:r>
+            <a:endParaRPr lang="en-US" altLang="zh-CN" dirty="0" smtClean="0"/>
+          </a:p>
+          <a:p>
+            <a:endParaRPr lang="en-US" altLang="zh-CN" dirty="0" smtClean="0"/>
+          </a:p>
+          <a:p>
+            <a:r>
+              <a:rPr lang="zh-CN" altLang="en-US" dirty="0" smtClean="0"/>
+              <a:t>采用视频</a:t>
+            </a:r>
+            <a:r>
+              <a:rPr lang="zh-CN" altLang="en-US" dirty="0" smtClean="0"/>
+              <a:t>编解码</a:t>
+            </a:r>
+            <a:r>
+              <a:rPr lang="zh-CN" altLang="en-US" dirty="0" smtClean="0"/>
+              <a:t>标准</a:t>
+            </a:r>
+            <a:r>
+              <a:rPr lang="en-US" altLang="zh-CN" dirty="0" smtClean="0"/>
+              <a:t>H.264/MPEG-4 </a:t>
+            </a:r>
+            <a:r>
+              <a:rPr lang="zh-CN" altLang="en-US" dirty="0" smtClean="0"/>
+              <a:t>，优先采用适用于安防监控的 </a:t>
+            </a:r>
+            <a:r>
+              <a:rPr lang="en-US" altLang="zh-CN" dirty="0" smtClean="0"/>
+              <a:t>SVAC </a:t>
+            </a:r>
+            <a:r>
+              <a:rPr lang="zh-CN" altLang="en-US" dirty="0" smtClean="0"/>
+              <a:t>标准 ；音频编解码标准推荐用</a:t>
+            </a:r>
+            <a:r>
+              <a:rPr lang="en-US" altLang="zh-CN" dirty="0" smtClean="0"/>
+              <a:t>G.711/G.723.1/G.729/SVAC</a:t>
+            </a:r>
+            <a:r>
+              <a:rPr lang="zh-CN" altLang="en-US" dirty="0" smtClean="0"/>
+              <a:t>。</a:t>
+            </a:r>
+            <a:br>
+              <a:rPr lang="zh-CN" altLang="en-US" dirty="0" smtClean="0"/>
+            </a:br>
+            <a:r>
+              <a:rPr lang="zh-CN" altLang="en-US" dirty="0" smtClean="0"/>
+              <a:t> </a:t>
+            </a:r>
+            <a:br>
+              <a:rPr lang="zh-CN" altLang="en-US" dirty="0" smtClean="0"/>
+            </a:br>
+            <a:endParaRPr lang="zh-CN" altLang="en-US" dirty="0"/>
+          </a:p>
+        </p:txBody>
+      </p:sp>
+    </p:spTree>
+  </p:cSld>
+  <p:clrMapOvr>
+    <a:masterClrMapping/>
+  </p:clrMapOvr>
+</p:sld>
+</file>
+
+<file path=ppt/slides/slide11.xml><?xml version="1.0" encoding="utf-8"?>
+<p:sld xmlns:a="http://schemas.openxmlformats.org/drawingml/2006/main" xmlns:r="http://schemas.openxmlformats.org/officeDocument/2006/relationships" xmlns:p="http://schemas.openxmlformats.org/presentationml/2006/main">
+  <p:cSld>
+    <p:spTree>
+      <p:nvGrpSpPr>
+        <p:cNvPr id="1" name=""/>
+        <p:cNvGrpSpPr/>
+        <p:nvPr/>
+      </p:nvGrpSpPr>
+      <p:grpSpPr>
+        <a:xfrm>
+          <a:off x="0" y="0"/>
+          <a:ext cx="0" cy="0"/>
+          <a:chOff x="0" y="0"/>
+          <a:chExt cx="0" cy="0"/>
+        </a:xfrm>
+      </p:grpSpPr>
+      <p:sp>
+        <p:nvSpPr>
+          <p:cNvPr id="2" name="标题 1"/>
+          <p:cNvSpPr>
+            <a:spLocks noGrp="1"/>
+          </p:cNvSpPr>
+          <p:nvPr>
+            <p:ph type="title"/>
+          </p:nvPr>
+        </p:nvSpPr>
+        <p:spPr/>
+        <p:txBody>
+          <a:bodyPr/>
+          <a:lstStyle/>
+          <a:p>
+            <a:r>
+              <a:rPr lang="zh-CN" altLang="en-US" dirty="0" smtClean="0"/>
+              <a:t>基本对接方式与流程</a:t>
+            </a:r>
+            <a:r>
+              <a:rPr lang="en-US" altLang="zh-CN" dirty="0" smtClean="0"/>
+              <a:t/>
+            </a:r>
+            <a:br>
+              <a:rPr lang="en-US" altLang="zh-CN" dirty="0" smtClean="0"/>
+            </a:br>
+            <a:r>
+              <a:rPr lang="en-US" altLang="zh-CN" dirty="0" smtClean="0"/>
+              <a:t>——</a:t>
+            </a:r>
+            <a:r>
+              <a:rPr lang="en-US" altLang="zh-CN" dirty="0" smtClean="0"/>
+              <a:t>GB/T 28181</a:t>
+            </a:r>
+            <a:r>
+              <a:rPr lang="zh-CN" altLang="en-US" dirty="0" smtClean="0"/>
+              <a:t>协议概述</a:t>
+            </a:r>
+            <a:endParaRPr lang="zh-CN" altLang="en-US" dirty="0"/>
+          </a:p>
+        </p:txBody>
+      </p:sp>
+      <p:sp>
+        <p:nvSpPr>
+          <p:cNvPr id="6" name="内容占位符 5"/>
+          <p:cNvSpPr>
+            <a:spLocks noGrp="1"/>
+          </p:cNvSpPr>
+          <p:nvPr>
+            <p:ph idx="1"/>
+          </p:nvPr>
+        </p:nvSpPr>
+        <p:spPr/>
+        <p:txBody>
+          <a:bodyPr/>
+          <a:lstStyle/>
+          <a:p>
+            <a:r>
+              <a:rPr lang="zh-CN" altLang="en-US" dirty="0" smtClean="0"/>
+              <a:t>客户端、网关、设备、代理两两之间的对接方式均使用</a:t>
+            </a:r>
+            <a:r>
+              <a:rPr lang="en-US" altLang="zh-CN" dirty="0" smtClean="0"/>
+              <a:t>SIP</a:t>
+            </a:r>
+            <a:r>
+              <a:rPr lang="zh-CN" altLang="en-US" dirty="0" smtClean="0"/>
+              <a:t>协议中的</a:t>
+            </a:r>
+            <a:r>
+              <a:rPr lang="en-US" altLang="zh-CN" dirty="0" smtClean="0"/>
+              <a:t>REGISTER</a:t>
+            </a:r>
+            <a:r>
+              <a:rPr lang="zh-CN" altLang="en-US" dirty="0" smtClean="0"/>
+              <a:t>方法进行注册、注销</a:t>
+            </a:r>
+            <a:endParaRPr lang="en-US" altLang="zh-CN" dirty="0" smtClean="0"/>
+          </a:p>
+          <a:p>
+            <a:endParaRPr lang="zh-CN" altLang="en-US" dirty="0"/>
+          </a:p>
+        </p:txBody>
+      </p:sp>
+      <p:pic>
+        <p:nvPicPr>
+          <p:cNvPr id="1029" name="Picture 5" descr="E:\MyMind\国标简介资料\截图\2015-05-06_204340.jpg"/>
+          <p:cNvPicPr>
+            <a:picLocks noChangeAspect="1" noChangeArrowheads="1"/>
+          </p:cNvPicPr>
+          <p:nvPr/>
+        </p:nvPicPr>
+        <p:blipFill>
+          <a:blip r:embed="rId2" cstate="print"/>
+          <a:srcRect t="2428"/>
+          <a:stretch>
+            <a:fillRect/>
+          </a:stretch>
+        </p:blipFill>
+        <p:spPr bwMode="auto">
+          <a:xfrm>
+            <a:off x="0" y="2420888"/>
+            <a:ext cx="4392488" cy="3960440"/>
+          </a:xfrm>
+          <a:prstGeom prst="rect">
+            <a:avLst/>
+          </a:prstGeom>
+          <a:noFill/>
+        </p:spPr>
+      </p:pic>
+      <p:pic>
+        <p:nvPicPr>
+          <p:cNvPr id="1030" name="Picture 6" descr="E:\MyMind\国标简介资料\截图\2015-05-06_204629.jpg"/>
+          <p:cNvPicPr>
+            <a:picLocks noChangeAspect="1" noChangeArrowheads="1"/>
+          </p:cNvPicPr>
+          <p:nvPr/>
+        </p:nvPicPr>
+        <p:blipFill>
+          <a:blip r:embed="rId3" cstate="print"/>
+          <a:srcRect/>
+          <a:stretch>
+            <a:fillRect/>
+          </a:stretch>
+        </p:blipFill>
+        <p:spPr bwMode="auto">
+          <a:xfrm>
+            <a:off x="4427984" y="2389677"/>
+            <a:ext cx="4400550" cy="3924300"/>
+          </a:xfrm>
+          <a:prstGeom prst="rect">
+            <a:avLst/>
+          </a:prstGeom>
+          <a:noFill/>
+        </p:spPr>
+      </p:pic>
+    </p:spTree>
+  </p:cSld>
+  <p:clrMapOvr>
+    <a:masterClrMapping/>
+  </p:clrMapOvr>
+</p:sld>
+</file>
+
+<file path=ppt/slides/slide12.xml><?xml version="1.0" encoding="utf-8"?>
+<p:sld xmlns:a="http://schemas.openxmlformats.org/drawingml/2006/main" xmlns:r="http://schemas.openxmlformats.org/officeDocument/2006/relationships" xmlns:p="http://schemas.openxmlformats.org/presentationml/2006/main">
+  <p:cSld>
+    <p:spTree>
+      <p:nvGrpSpPr>
+        <p:cNvPr id="1" name=""/>
+        <p:cNvGrpSpPr/>
+        <p:nvPr/>
+      </p:nvGrpSpPr>
+      <p:grpSpPr>
+        <a:xfrm>
+          <a:off x="0" y="0"/>
+          <a:ext cx="0" cy="0"/>
+          <a:chOff x="0" y="0"/>
+          <a:chExt cx="0" cy="0"/>
+        </a:xfrm>
+      </p:grpSpPr>
+      <p:sp>
+        <p:nvSpPr>
+          <p:cNvPr id="2" name="标题 1"/>
+          <p:cNvSpPr>
+            <a:spLocks noGrp="1"/>
+          </p:cNvSpPr>
+          <p:nvPr>
+            <p:ph type="title"/>
+          </p:nvPr>
+        </p:nvSpPr>
+        <p:spPr/>
+        <p:txBody>
+          <a:bodyPr/>
+          <a:lstStyle/>
+          <a:p>
+            <a:r>
+              <a:rPr lang="zh-CN" altLang="en-US" dirty="0" smtClean="0"/>
+              <a:t>基本对接方式与流程</a:t>
+            </a:r>
+            <a:r>
+              <a:rPr lang="en-US" altLang="zh-CN" dirty="0" smtClean="0"/>
+              <a:t/>
+            </a:r>
+            <a:br>
+              <a:rPr lang="en-US" altLang="zh-CN" dirty="0" smtClean="0"/>
+            </a:br>
+            <a:r>
+              <a:rPr lang="en-US" altLang="zh-CN" dirty="0" smtClean="0"/>
+              <a:t>——GB/T 28181</a:t>
+            </a:r>
+            <a:r>
+              <a:rPr lang="zh-CN" altLang="en-US" dirty="0" smtClean="0"/>
+              <a:t>协议概述</a:t>
+            </a:r>
+            <a:endParaRPr lang="zh-CN" altLang="en-US" dirty="0"/>
+          </a:p>
+        </p:txBody>
+      </p:sp>
+      <p:sp>
+        <p:nvSpPr>
+          <p:cNvPr id="3" name="内容占位符 2"/>
+          <p:cNvSpPr>
+            <a:spLocks noGrp="1"/>
+          </p:cNvSpPr>
+          <p:nvPr>
+            <p:ph idx="1"/>
+          </p:nvPr>
+        </p:nvSpPr>
+        <p:spPr/>
+        <p:txBody>
+          <a:bodyPr/>
+          <a:lstStyle/>
+          <a:p>
+            <a:r>
+              <a:rPr lang="zh-CN" altLang="en-US" dirty="0" smtClean="0"/>
+              <a:t>实时视音频点播</a:t>
+            </a:r>
+            <a:endParaRPr lang="en-US" altLang="zh-CN" dirty="0" smtClean="0"/>
+          </a:p>
+          <a:p>
+            <a:r>
+              <a:rPr lang="zh-CN" altLang="en-US" dirty="0" smtClean="0"/>
+              <a:t>设备控制</a:t>
+            </a:r>
+            <a:endParaRPr lang="en-US" altLang="zh-CN" dirty="0" smtClean="0"/>
+          </a:p>
+          <a:p>
+            <a:r>
+              <a:rPr lang="zh-CN" altLang="en-US" dirty="0" smtClean="0"/>
+              <a:t>报警事件通知</a:t>
+            </a:r>
+            <a:r>
+              <a:rPr lang="zh-CN" altLang="en-US" dirty="0" smtClean="0"/>
+              <a:t>和分发</a:t>
+            </a:r>
+            <a:endParaRPr lang="en-US" altLang="zh-CN" dirty="0" smtClean="0"/>
+          </a:p>
+          <a:p>
+            <a:r>
+              <a:rPr lang="zh-CN" altLang="en-US" dirty="0" smtClean="0"/>
+              <a:t>设备信息</a:t>
+            </a:r>
+            <a:r>
+              <a:rPr lang="zh-CN" altLang="en-US" dirty="0" smtClean="0"/>
+              <a:t>查询</a:t>
+            </a:r>
+            <a:endParaRPr lang="en-US" altLang="zh-CN" dirty="0" smtClean="0"/>
+          </a:p>
+          <a:p>
+            <a:r>
+              <a:rPr lang="zh-CN" altLang="en-US" dirty="0" smtClean="0"/>
+              <a:t>状态信息</a:t>
+            </a:r>
+            <a:r>
+              <a:rPr lang="zh-CN" altLang="en-US" dirty="0" smtClean="0"/>
+              <a:t>报送</a:t>
+            </a:r>
+            <a:endParaRPr lang="en-US" altLang="zh-CN" dirty="0" smtClean="0"/>
+          </a:p>
+          <a:p>
+            <a:r>
+              <a:rPr lang="zh-CN" altLang="en-US" dirty="0" smtClean="0"/>
+              <a:t>历史视</a:t>
+            </a:r>
+            <a:r>
+              <a:rPr lang="zh-CN" altLang="en-US" dirty="0" smtClean="0"/>
+              <a:t>音频文件检索、回放、下载</a:t>
+            </a:r>
+            <a:endParaRPr lang="en-US" altLang="zh-CN" dirty="0" smtClean="0"/>
+          </a:p>
+          <a:p>
+            <a:r>
+              <a:rPr lang="zh-CN" altLang="en-US" dirty="0" smtClean="0"/>
+              <a:t>网络校时</a:t>
+            </a:r>
+            <a:endParaRPr lang="en-US" altLang="zh-CN" dirty="0" smtClean="0"/>
+          </a:p>
+          <a:p>
+            <a:r>
+              <a:rPr lang="zh-CN" altLang="en-US" dirty="0" smtClean="0"/>
+              <a:t>订阅</a:t>
+            </a:r>
+            <a:r>
+              <a:rPr lang="zh-CN" altLang="en-US" dirty="0" smtClean="0"/>
+              <a:t>和</a:t>
+            </a:r>
+            <a:r>
+              <a:rPr lang="zh-CN" altLang="en-US" dirty="0" smtClean="0"/>
+              <a:t>通知</a:t>
+            </a:r>
+            <a:endParaRPr lang="en-US" altLang="zh-CN" dirty="0" smtClean="0"/>
+          </a:p>
+        </p:txBody>
+      </p:sp>
+    </p:spTree>
+  </p:cSld>
+  <p:clrMapOvr>
+    <a:masterClrMapping/>
+  </p:clrMapOvr>
+</p:sld>
+</file>
+
+<file path=ppt/slides/slide13.xml><?xml version="1.0" encoding="utf-8"?>
+<p:sld xmlns:a="http://schemas.openxmlformats.org/drawingml/2006/main" xmlns:r="http://schemas.openxmlformats.org/officeDocument/2006/relationships" xmlns:p="http://schemas.openxmlformats.org/presentationml/2006/main">
+  <p:cSld>
+    <p:spTree>
+      <p:nvGrpSpPr>
+        <p:cNvPr id="1" name=""/>
+        <p:cNvGrpSpPr/>
+        <p:nvPr/>
+      </p:nvGrpSpPr>
+      <p:grpSpPr>
+        <a:xfrm>
+          <a:off x="0" y="0"/>
+          <a:ext cx="0" cy="0"/>
+          <a:chOff x="0" y="0"/>
+          <a:chExt cx="0" cy="0"/>
+        </a:xfrm>
+      </p:grpSpPr>
+      <p:sp>
+        <p:nvSpPr>
+          <p:cNvPr id="2" name="标题 1"/>
+          <p:cNvSpPr>
+            <a:spLocks noGrp="1"/>
+          </p:cNvSpPr>
+          <p:nvPr>
+            <p:ph type="title"/>
+          </p:nvPr>
+        </p:nvSpPr>
+        <p:spPr/>
+        <p:txBody>
+          <a:bodyPr/>
+          <a:lstStyle/>
+          <a:p>
+            <a:r>
+              <a:rPr lang="zh-CN" altLang="en-US" dirty="0" smtClean="0"/>
+              <a:t>基本对接方式与流程</a:t>
+            </a:r>
+            <a:r>
+              <a:rPr lang="en-US" altLang="zh-CN" dirty="0" smtClean="0"/>
+              <a:t/>
+            </a:r>
+            <a:br>
+              <a:rPr lang="en-US" altLang="zh-CN" dirty="0" smtClean="0"/>
+            </a:br>
+            <a:r>
+              <a:rPr lang="en-US" altLang="zh-CN" dirty="0" smtClean="0"/>
+              <a:t>——GB/T 28181</a:t>
+            </a:r>
+            <a:r>
+              <a:rPr lang="zh-CN" altLang="en-US" dirty="0" smtClean="0"/>
+              <a:t>协议概述</a:t>
+            </a:r>
+            <a:endParaRPr lang="zh-CN" altLang="en-US" dirty="0"/>
+          </a:p>
+        </p:txBody>
+      </p:sp>
+      <p:sp>
+        <p:nvSpPr>
+          <p:cNvPr id="3" name="内容占位符 2"/>
+          <p:cNvSpPr>
+            <a:spLocks noGrp="1"/>
+          </p:cNvSpPr>
+          <p:nvPr>
+            <p:ph idx="1"/>
+          </p:nvPr>
+        </p:nvSpPr>
+        <p:spPr/>
+        <p:txBody>
+          <a:bodyPr/>
+          <a:lstStyle/>
+          <a:p>
+            <a:pPr>
+              <a:buNone/>
+            </a:pPr>
+            <a:r>
+              <a:rPr lang="zh-CN" altLang="en-US" b="1" dirty="0" smtClean="0"/>
+              <a:t>安全性策略</a:t>
+            </a:r>
+            <a:endParaRPr lang="en-US" altLang="zh-CN" b="1" dirty="0" smtClean="0"/>
+          </a:p>
+          <a:p>
+            <a:endParaRPr lang="en-US" altLang="zh-CN" dirty="0" smtClean="0"/>
+          </a:p>
+          <a:p>
+            <a:r>
+              <a:rPr lang="zh-CN" altLang="en-US" dirty="0" smtClean="0"/>
+              <a:t>设备身份认证（设备合法性）</a:t>
+            </a:r>
+            <a:endParaRPr lang="en-US" altLang="zh-CN" dirty="0" smtClean="0"/>
+          </a:p>
+          <a:p>
+            <a:r>
+              <a:rPr lang="zh-CN" altLang="en-US" dirty="0" smtClean="0"/>
+              <a:t>数据加密（媒体传输）</a:t>
+            </a:r>
+            <a:endParaRPr lang="en-US" altLang="zh-CN" dirty="0" smtClean="0"/>
+          </a:p>
+          <a:p>
+            <a:r>
+              <a:rPr lang="en-US" altLang="zh-CN" dirty="0" smtClean="0"/>
+              <a:t>SIP</a:t>
+            </a:r>
+            <a:r>
+              <a:rPr lang="zh-CN" altLang="en-US" dirty="0" smtClean="0"/>
+              <a:t>信令认证（控制传输）</a:t>
+            </a:r>
+            <a:endParaRPr lang="en-US" altLang="zh-CN" dirty="0" smtClean="0"/>
+          </a:p>
+          <a:p>
+            <a:r>
+              <a:rPr lang="zh-CN" altLang="en-US" dirty="0" smtClean="0"/>
+              <a:t>数据完整性</a:t>
+            </a:r>
+            <a:r>
+              <a:rPr lang="zh-CN" altLang="en-US" dirty="0" smtClean="0"/>
+              <a:t>保护（媒体存储）</a:t>
+            </a:r>
+            <a:endParaRPr lang="en-US" altLang="zh-CN" dirty="0" smtClean="0"/>
+          </a:p>
+          <a:p>
+            <a:r>
+              <a:rPr lang="zh-CN" altLang="en-US" dirty="0" smtClean="0"/>
+              <a:t>访问</a:t>
+            </a:r>
+            <a:r>
+              <a:rPr lang="zh-CN" altLang="en-US" dirty="0" smtClean="0"/>
+              <a:t>控制（权限管理）</a:t>
+            </a:r>
+            <a:endParaRPr lang="zh-CN" altLang="en-US" dirty="0"/>
+          </a:p>
+        </p:txBody>
+      </p:sp>
+    </p:spTree>
+  </p:cSld>
+  <p:clrMapOvr>
+    <a:masterClrMapping/>
+  </p:clrMapOvr>
+</p:sld>
+</file>
+
+<file path=ppt/slides/slide14.xml><?xml version="1.0" encoding="utf-8"?>
+<p:sld xmlns:a="http://schemas.openxmlformats.org/drawingml/2006/main" xmlns:r="http://schemas.openxmlformats.org/officeDocument/2006/relationships" xmlns:p="http://schemas.openxmlformats.org/presentationml/2006/main">
+  <p:cSld>
+    <p:spTree>
+      <p:nvGrpSpPr>
+        <p:cNvPr id="1" name=""/>
+        <p:cNvGrpSpPr/>
+        <p:nvPr/>
+      </p:nvGrpSpPr>
+      <p:grpSpPr>
+        <a:xfrm>
+          <a:off x="0" y="0"/>
+          <a:ext cx="0" cy="0"/>
+          <a:chOff x="0" y="0"/>
+          <a:chExt cx="0" cy="0"/>
+        </a:xfrm>
+      </p:grpSpPr>
+      <p:sp>
+        <p:nvSpPr>
+          <p:cNvPr id="2" name="标题 1"/>
+          <p:cNvSpPr>
+            <a:spLocks noGrp="1"/>
+          </p:cNvSpPr>
+          <p:nvPr>
+            <p:ph type="title"/>
+          </p:nvPr>
+        </p:nvSpPr>
+        <p:spPr/>
+        <p:txBody>
+          <a:bodyPr/>
+          <a:lstStyle/>
+          <a:p>
+            <a:r>
+              <a:rPr lang="en-US" altLang="zh-CN" dirty="0"/>
+              <a:t>GB/T 28181</a:t>
+            </a:r>
+            <a:r>
+              <a:rPr lang="zh-CN" altLang="en-US" dirty="0"/>
+              <a:t>非标接入</a:t>
+            </a:r>
+            <a:r>
+              <a:rPr lang="zh-CN" altLang="en-US" dirty="0" smtClean="0"/>
+              <a:t>概述</a:t>
+            </a:r>
+            <a:endParaRPr lang="zh-CN" altLang="en-US" dirty="0"/>
+          </a:p>
+        </p:txBody>
+      </p:sp>
+      <p:sp>
+        <p:nvSpPr>
+          <p:cNvPr id="3" name="内容占位符 2"/>
+          <p:cNvSpPr>
+            <a:spLocks noGrp="1"/>
+          </p:cNvSpPr>
+          <p:nvPr>
+            <p:ph idx="1"/>
+          </p:nvPr>
+        </p:nvSpPr>
+        <p:spPr/>
+        <p:txBody>
+          <a:bodyPr/>
+          <a:lstStyle/>
+          <a:p>
+            <a:r>
+              <a:rPr lang="zh-CN" altLang="en-US" dirty="0" smtClean="0"/>
+              <a:t>以平台对接方式接入第三方设备</a:t>
+            </a:r>
+            <a:endParaRPr lang="en-US" altLang="zh-CN" dirty="0" smtClean="0"/>
+          </a:p>
+          <a:p>
+            <a:r>
+              <a:rPr lang="zh-CN" altLang="en-US" dirty="0" smtClean="0"/>
+              <a:t>处理器以客户端方式接入平台</a:t>
+            </a:r>
+            <a:endParaRPr lang="en-US" altLang="zh-CN" dirty="0" smtClean="0"/>
+          </a:p>
+          <a:p>
+            <a:r>
+              <a:rPr lang="zh-CN" altLang="en-US" dirty="0" smtClean="0"/>
+              <a:t>提供客户端</a:t>
+            </a:r>
+            <a:r>
+              <a:rPr lang="en-US" altLang="zh-CN" dirty="0" smtClean="0"/>
+              <a:t>SDK</a:t>
+            </a:r>
+            <a:endParaRPr lang="zh-CN" altLang="en-US" dirty="0"/>
+          </a:p>
+        </p:txBody>
+      </p:sp>
+    </p:spTree>
+    <p:extLst>
+      <p:ext uri="{BB962C8B-B14F-4D97-AF65-F5344CB8AC3E}">
+        <p14:creationId xmlns:p14="http://schemas.microsoft.com/office/powerpoint/2010/main" xmlns="" val="1545412681"/>
+      </p:ext>
+    </p:extLst>
+  </p:cSld>
+  <p:clrMapOvr>
+    <a:masterClrMapping/>
+  </p:clrMapOvr>
+  <p:timing>
+    <p:tnLst>
+      <p:par>
+        <p:cTn id="1" dur="indefinite" restart="never" nodeType="tmRoot"/>
+      </p:par>
+    </p:tnLst>
+  </p:timing>
+</p:sld>
+</file>
+
+<file path=ppt/slides/slide15.xml><?xml version="1.0" encoding="utf-8"?>
+<p:sld xmlns:a="http://schemas.openxmlformats.org/drawingml/2006/main" xmlns:r="http://schemas.openxmlformats.org/officeDocument/2006/relationships" xmlns:p="http://schemas.openxmlformats.org/presentationml/2006/main">
+  <p:cSld>
+    <p:spTree>
+      <p:nvGrpSpPr>
+        <p:cNvPr id="1" name=""/>
+        <p:cNvGrpSpPr/>
+        <p:nvPr/>
+      </p:nvGrpSpPr>
+      <p:grpSpPr>
+        <a:xfrm>
+          <a:off x="0" y="0"/>
+          <a:ext cx="0" cy="0"/>
+          <a:chOff x="0" y="0"/>
+          <a:chExt cx="0" cy="0"/>
+        </a:xfrm>
+      </p:grpSpPr>
+      <p:sp>
+        <p:nvSpPr>
+          <p:cNvPr id="2" name="标题 1"/>
+          <p:cNvSpPr>
+            <a:spLocks noGrp="1"/>
+          </p:cNvSpPr>
+          <p:nvPr>
+            <p:ph type="title"/>
+          </p:nvPr>
+        </p:nvSpPr>
+        <p:spPr/>
+        <p:txBody>
+          <a:bodyPr/>
+          <a:lstStyle/>
+          <a:p>
+            <a:r>
+              <a:rPr lang="en-US" altLang="zh-CN" dirty="0"/>
+              <a:t>GB/T 28181</a:t>
+            </a:r>
+            <a:r>
+              <a:rPr lang="zh-CN" altLang="en-US" dirty="0"/>
+              <a:t>非标</a:t>
+            </a:r>
+            <a:r>
+              <a:rPr lang="zh-CN" altLang="en-US" dirty="0" smtClean="0"/>
+              <a:t>接入实战</a:t>
+            </a:r>
+            <a:endParaRPr lang="zh-CN" altLang="en-US" dirty="0"/>
+          </a:p>
+        </p:txBody>
+      </p:sp>
+      <p:sp>
+        <p:nvSpPr>
+          <p:cNvPr id="3" name="内容占位符 2"/>
+          <p:cNvSpPr>
+            <a:spLocks noGrp="1"/>
+          </p:cNvSpPr>
+          <p:nvPr>
+            <p:ph idx="1"/>
+          </p:nvPr>
+        </p:nvSpPr>
+        <p:spPr/>
+        <p:txBody>
+          <a:bodyPr/>
+          <a:lstStyle/>
+          <a:p>
+            <a:r>
+              <a:rPr lang="zh-CN" altLang="en-US" dirty="0" smtClean="0"/>
+              <a:t>控制命令对接</a:t>
+            </a:r>
+            <a:endParaRPr lang="en-US" altLang="zh-CN" dirty="0" smtClean="0"/>
+          </a:p>
+          <a:p>
+            <a:r>
+              <a:rPr lang="zh-CN" altLang="en-US" dirty="0"/>
+              <a:t>码</a:t>
+            </a:r>
+            <a:r>
+              <a:rPr lang="zh-CN" altLang="en-US" dirty="0" smtClean="0"/>
+              <a:t>流封装解析</a:t>
+            </a:r>
+            <a:endParaRPr lang="zh-CN" altLang="en-US" dirty="0"/>
+          </a:p>
+        </p:txBody>
+      </p:sp>
+    </p:spTree>
+    <p:extLst>
+      <p:ext uri="{BB962C8B-B14F-4D97-AF65-F5344CB8AC3E}">
+        <p14:creationId xmlns:p14="http://schemas.microsoft.com/office/powerpoint/2010/main" xmlns="" val="2100071606"/>
       </p:ext>
     </p:extLst>
   </p:cSld>
@@ -3753,15 +4665,7 @@
                   <a:srgbClr val="C00000"/>
                 </a:solidFill>
               </a:rPr>
-              <a:t>协议</a:t>
-            </a:r>
-            <a:r>
-              <a:rPr lang="zh-CN" altLang="en-US" b="1" dirty="0" smtClean="0">
-                <a:solidFill>
-                  <a:srgbClr val="C00000"/>
-                </a:solidFill>
-              </a:rPr>
-              <a:t>概述</a:t>
+              <a:t>协议概述</a:t>
             </a:r>
             <a:endParaRPr lang="en-US" altLang="zh-CN" b="1" dirty="0" smtClean="0">
               <a:solidFill>
@@ -3795,15 +4699,7 @@
                   <a:srgbClr val="C00000"/>
                 </a:solidFill>
               </a:rPr>
-              <a:t>非标接入</a:t>
-            </a:r>
-            <a:r>
-              <a:rPr lang="zh-CN" altLang="en-US" b="1" dirty="0" smtClean="0">
-                <a:solidFill>
-                  <a:srgbClr val="C00000"/>
-                </a:solidFill>
-              </a:rPr>
-              <a:t>概述</a:t>
+              <a:t>非标接入概述</a:t>
             </a:r>
             <a:endParaRPr lang="en-US" altLang="zh-CN" b="1" dirty="0" smtClean="0">
               <a:solidFill>
@@ -3858,7 +4754,7 @@
     </p:spTree>
     <p:extLst>
       <p:ext uri="{BB962C8B-B14F-4D97-AF65-F5344CB8AC3E}">
-        <p14:creationId xmlns:p14="http://schemas.microsoft.com/office/powerpoint/2010/main" val="2507558426"/>
+        <p14:creationId xmlns:p14="http://schemas.microsoft.com/office/powerpoint/2010/main" xmlns="" val="2507558426"/>
       </p:ext>
     </p:extLst>
   </p:cSld>
@@ -3947,23 +4843,30 @@
           <a:p>
             <a:r>
               <a:rPr lang="zh-CN" altLang="en-US" dirty="0" smtClean="0"/>
-              <a:t>基本对接方式与流程</a:t>
+              <a:t>包含的协议与开源库</a:t>
+            </a:r>
+          </a:p>
+          <a:p>
+            <a:r>
+              <a:rPr lang="zh-CN" altLang="en-US" dirty="0" smtClean="0"/>
+              <a:t>基本</a:t>
+            </a:r>
+            <a:r>
+              <a:rPr lang="zh-CN" altLang="en-US" dirty="0" smtClean="0"/>
+              <a:t>对接方式与</a:t>
+            </a:r>
+            <a:r>
+              <a:rPr lang="zh-CN" altLang="en-US" dirty="0" smtClean="0"/>
+              <a:t>流程</a:t>
             </a:r>
             <a:endParaRPr lang="en-US" altLang="zh-CN" dirty="0" smtClean="0"/>
-          </a:p>
-          <a:p>
-            <a:r>
-              <a:rPr lang="zh-CN" altLang="en-US" dirty="0" smtClean="0"/>
-              <a:t>包含的协议与开源库</a:t>
-            </a:r>
-            <a:endParaRPr lang="zh-CN" altLang="en-US" dirty="0"/>
           </a:p>
         </p:txBody>
       </p:sp>
     </p:spTree>
     <p:extLst>
       <p:ext uri="{BB962C8B-B14F-4D97-AF65-F5344CB8AC3E}">
-        <p14:creationId xmlns:p14="http://schemas.microsoft.com/office/powerpoint/2010/main" val="2462157779"/>
+        <p14:creationId xmlns:p14="http://schemas.microsoft.com/office/powerpoint/2010/main" xmlns="" val="2462157779"/>
       </p:ext>
     </p:extLst>
   </p:cSld>
@@ -4013,23 +4916,19 @@
           <a:lstStyle/>
           <a:p>
             <a:r>
-              <a:rPr lang="zh-CN" altLang="en-US" dirty="0"/>
+              <a:rPr lang="zh-CN" altLang="en-US" dirty="0" smtClean="0"/>
               <a:t>使用范围与目的</a:t>
             </a:r>
             <a:r>
-              <a:rPr lang="en-US" altLang="zh-CN" dirty="0"/>
+              <a:rPr lang="en-US" altLang="zh-CN" dirty="0" smtClean="0"/>
               <a:t/>
             </a:r>
             <a:br>
-              <a:rPr lang="en-US" altLang="zh-CN" dirty="0"/>
+              <a:rPr lang="en-US" altLang="zh-CN" dirty="0" smtClean="0"/>
             </a:br>
             <a:r>
               <a:rPr lang="en-US" altLang="zh-CN" dirty="0" smtClean="0"/>
-              <a:t>——</a:t>
-            </a:r>
-            <a:r>
-              <a:rPr lang="en-US" altLang="zh-CN" dirty="0"/>
-              <a:t>GB/T 28181</a:t>
+              <a:t>——GB/T 28181</a:t>
             </a:r>
             <a:r>
               <a:rPr lang="zh-CN" altLang="en-US" dirty="0" smtClean="0"/>
@@ -4041,7 +4940,7 @@
       </p:sp>
       <p:sp>
         <p:nvSpPr>
-          <p:cNvPr id="3" name="内容占位符 2"/>
+          <p:cNvPr id="5" name="内容占位符 4"/>
           <p:cNvSpPr>
             <a:spLocks noGrp="1"/>
           </p:cNvSpPr>
@@ -4054,27 +4953,26 @@
           <a:bodyPr/>
           <a:lstStyle/>
           <a:p>
-            <a:endParaRPr lang="zh-CN" altLang="en-US"/>
+            <a:r>
+              <a:rPr lang="zh-CN" altLang="en-US" dirty="0" smtClean="0"/>
+              <a:t>全称：安全防范视频监控联网系统信息传输、交换、控制技术要求</a:t>
+            </a:r>
+            <a:endParaRPr lang="en-US" altLang="zh-CN" dirty="0" smtClean="0"/>
+          </a:p>
+          <a:p>
+            <a:r>
+              <a:rPr lang="zh-CN" altLang="en-US" dirty="0" smtClean="0"/>
+              <a:t>包括各种使用网络流的摄像头、录像机、存储服务器、控制平台、客户端设备</a:t>
+            </a:r>
+            <a:endParaRPr lang="en-US" altLang="zh-CN" dirty="0" smtClean="0"/>
           </a:p>
         </p:txBody>
       </p:sp>
     </p:spTree>
-    <p:extLst>
-      <p:ext uri="{BB962C8B-B14F-4D97-AF65-F5344CB8AC3E}">
-        <p14:creationId xmlns:p14="http://schemas.microsoft.com/office/powerpoint/2010/main" val="2240403549"/>
-      </p:ext>
-    </p:extLst>
   </p:cSld>
   <p:clrMapOvr>
     <a:masterClrMapping/>
   </p:clrMapOvr>
-  <p:timing>
-    <p:tnLst>
-      <p:par>
-        <p:cTn id="1" dur="indefinite" restart="never" nodeType="tmRoot"/>
-      </p:par>
-    </p:tnLst>
-  </p:timing>
 </p:sld>
 </file>
 
@@ -4111,79 +5009,61 @@
           <a:lstStyle/>
           <a:p>
             <a:r>
-              <a:rPr lang="en-US" altLang="zh-CN" dirty="0"/>
-              <a:t>GB/T 28181</a:t>
-            </a:r>
-            <a:r>
-              <a:rPr lang="zh-CN" altLang="en-US" dirty="0"/>
-              <a:t>非标接入</a:t>
-            </a:r>
-            <a:r>
-              <a:rPr lang="zh-CN" altLang="en-US" dirty="0" smtClean="0"/>
-              <a:t>概述</a:t>
+              <a:rPr lang="zh-CN" altLang="en-US" dirty="0" smtClean="0"/>
+              <a:t>使用范围与目的</a:t>
+            </a:r>
+            <a:r>
+              <a:rPr lang="en-US" altLang="zh-CN" dirty="0" smtClean="0"/>
+              <a:t/>
+            </a:r>
+            <a:br>
+              <a:rPr lang="en-US" altLang="zh-CN" dirty="0" smtClean="0"/>
+            </a:br>
+            <a:r>
+              <a:rPr lang="en-US" altLang="zh-CN" dirty="0" smtClean="0"/>
+              <a:t>——GB/T 28181</a:t>
+            </a:r>
+            <a:r>
+              <a:rPr lang="zh-CN" altLang="en-US" dirty="0" smtClean="0"/>
+              <a:t>协议概述</a:t>
             </a:r>
             <a:endParaRPr lang="zh-CN" altLang="en-US" dirty="0"/>
           </a:p>
         </p:txBody>
       </p:sp>
-      <p:sp>
-        <p:nvSpPr>
-          <p:cNvPr id="3" name="内容占位符 2"/>
-          <p:cNvSpPr>
-            <a:spLocks noGrp="1"/>
-          </p:cNvSpPr>
+      <p:pic>
+        <p:nvPicPr>
+          <p:cNvPr id="7" name="Picture 2" descr="E:\MyMind\国标简介资料\截图\2015-05-06_203505.jpg"/>
+          <p:cNvPicPr>
+            <a:picLocks noGrp="1" noChangeAspect="1" noChangeArrowheads="1"/>
+          </p:cNvPicPr>
           <p:nvPr>
             <p:ph idx="1"/>
           </p:nvPr>
-        </p:nvSpPr>
-        <p:spPr/>
-        <p:txBody>
-          <a:bodyPr/>
-          <a:lstStyle/>
-          <a:p>
-            <a:r>
-              <a:rPr lang="zh-CN" altLang="en-US" dirty="0" smtClean="0"/>
-              <a:t>以平台对接方式接入第三方设备</a:t>
-            </a:r>
-            <a:endParaRPr lang="en-US" altLang="zh-CN" dirty="0" smtClean="0"/>
-          </a:p>
-          <a:p>
-            <a:r>
-              <a:rPr lang="zh-CN" altLang="en-US" dirty="0" smtClean="0"/>
-              <a:t>处理器以客户端方式接入平台</a:t>
-            </a:r>
-            <a:endParaRPr lang="en-US" altLang="zh-CN" dirty="0" smtClean="0"/>
-          </a:p>
-          <a:p>
-            <a:r>
-              <a:rPr lang="zh-CN" altLang="en-US" dirty="0" smtClean="0"/>
-              <a:t>提供客户端</a:t>
-            </a:r>
-            <a:r>
-              <a:rPr lang="en-US" altLang="zh-CN" dirty="0" smtClean="0"/>
-              <a:t>SDK</a:t>
-            </a:r>
-            <a:endParaRPr lang="zh-CN" altLang="en-US" dirty="0"/>
-          </a:p>
-        </p:txBody>
-      </p:sp>
+        </p:nvPicPr>
+        <p:blipFill>
+          <a:blip r:embed="rId2" cstate="print"/>
+          <a:srcRect/>
+          <a:stretch>
+            <a:fillRect/>
+          </a:stretch>
+        </p:blipFill>
+        <p:spPr bwMode="auto">
+          <a:xfrm>
+            <a:off x="1049168" y="1484313"/>
+            <a:ext cx="7571127" cy="4608512"/>
+          </a:xfrm>
+          <a:prstGeom prst="rect">
+            <a:avLst/>
+          </a:prstGeom>
+          <a:noFill/>
+        </p:spPr>
+      </p:pic>
     </p:spTree>
-    <p:extLst>
-      <p:ext uri="{BB962C8B-B14F-4D97-AF65-F5344CB8AC3E}">
-        <p14:creationId xmlns:p14="http://schemas.microsoft.com/office/powerpoint/2010/main" val="1545412681"/>
-      </p:ext>
-    </p:extLst>
   </p:cSld>
   <p:clrMapOvr>
     <a:masterClrMapping/>
   </p:clrMapOvr>
-  <p:timing>
-    <p:tnLst>
-      <p:par>
-        <p:cTn id="1" dur="indefinite" restart="never" nodeType="tmRoot"/>
-      </p:par>
-    </p:tnLst>
-  </p:timing>
 </p:sld>
 </file>
 
@@ -4220,16 +5100,118 @@
           <a:lstStyle/>
           <a:p>
             <a:r>
+              <a:rPr lang="zh-CN" altLang="en-US" dirty="0" smtClean="0"/>
+              <a:t>使用范围与目的</a:t>
+            </a:r>
+            <a:r>
+              <a:rPr lang="en-US" altLang="zh-CN" dirty="0" smtClean="0"/>
+              <a:t/>
+            </a:r>
+            <a:br>
+              <a:rPr lang="en-US" altLang="zh-CN" dirty="0" smtClean="0"/>
+            </a:br>
+            <a:r>
+              <a:rPr lang="en-US" altLang="zh-CN" dirty="0" smtClean="0"/>
+              <a:t>——GB/T 28181</a:t>
+            </a:r>
+            <a:r>
+              <a:rPr lang="zh-CN" altLang="en-US" dirty="0" smtClean="0"/>
+              <a:t>协议概述</a:t>
+            </a:r>
+            <a:endParaRPr lang="zh-CN" altLang="en-US" dirty="0"/>
+          </a:p>
+        </p:txBody>
+      </p:sp>
+      <p:pic>
+        <p:nvPicPr>
+          <p:cNvPr id="4" name="Picture 2" descr="E:\MyMind\国标简介资料\截图\2015-05-06_203219.jpg"/>
+          <p:cNvPicPr>
+            <a:picLocks noGrp="1" noChangeAspect="1" noChangeArrowheads="1"/>
+          </p:cNvPicPr>
+          <p:nvPr>
+            <p:ph idx="1"/>
+          </p:nvPr>
+        </p:nvPicPr>
+        <p:blipFill>
+          <a:blip r:embed="rId2" cstate="print"/>
+          <a:srcRect/>
+          <a:stretch>
+            <a:fillRect/>
+          </a:stretch>
+        </p:blipFill>
+        <p:spPr bwMode="auto">
+          <a:xfrm>
+            <a:off x="971550" y="1680989"/>
+            <a:ext cx="7726363" cy="4215160"/>
+          </a:xfrm>
+          <a:prstGeom prst="rect">
+            <a:avLst/>
+          </a:prstGeom>
+          <a:noFill/>
+        </p:spPr>
+      </p:pic>
+    </p:spTree>
+  </p:cSld>
+  <p:clrMapOvr>
+    <a:masterClrMapping/>
+  </p:clrMapOvr>
+</p:sld>
+</file>
+
+<file path=ppt/slides/slide7.xml><?xml version="1.0" encoding="utf-8"?>
+<p:sld xmlns:a="http://schemas.openxmlformats.org/drawingml/2006/main" xmlns:r="http://schemas.openxmlformats.org/officeDocument/2006/relationships" xmlns:p="http://schemas.openxmlformats.org/presentationml/2006/main">
+  <p:cSld>
+    <p:spTree>
+      <p:nvGrpSpPr>
+        <p:cNvPr id="1" name=""/>
+        <p:cNvGrpSpPr/>
+        <p:nvPr/>
+      </p:nvGrpSpPr>
+      <p:grpSpPr>
+        <a:xfrm>
+          <a:off x="0" y="0"/>
+          <a:ext cx="0" cy="0"/>
+          <a:chOff x="0" y="0"/>
+          <a:chExt cx="0" cy="0"/>
+        </a:xfrm>
+      </p:grpSpPr>
+      <p:sp>
+        <p:nvSpPr>
+          <p:cNvPr id="2" name="标题 1"/>
+          <p:cNvSpPr>
+            <a:spLocks noGrp="1"/>
+          </p:cNvSpPr>
+          <p:nvPr>
+            <p:ph type="title"/>
+          </p:nvPr>
+        </p:nvSpPr>
+        <p:spPr/>
+        <p:txBody>
+          <a:bodyPr/>
+          <a:lstStyle/>
+          <a:p>
+            <a:r>
+              <a:rPr lang="zh-CN" altLang="en-US" dirty="0"/>
+              <a:t>使用范围与目的</a:t>
+            </a:r>
+            <a:r>
+              <a:rPr lang="en-US" altLang="zh-CN" dirty="0"/>
+              <a:t/>
+            </a:r>
+            <a:br>
+              <a:rPr lang="en-US" altLang="zh-CN" dirty="0"/>
+            </a:br>
+            <a:r>
+              <a:rPr lang="en-US" altLang="zh-CN" dirty="0" smtClean="0"/>
+              <a:t>——</a:t>
+            </a:r>
+            <a:r>
               <a:rPr lang="en-US" altLang="zh-CN" dirty="0"/>
               <a:t>GB/T 28181</a:t>
             </a:r>
             <a:r>
-              <a:rPr lang="zh-CN" altLang="en-US" dirty="0"/>
-              <a:t>非标</a:t>
-            </a:r>
-            <a:r>
-              <a:rPr lang="zh-CN" altLang="en-US" dirty="0" smtClean="0"/>
-              <a:t>接入实战</a:t>
+              <a:rPr lang="zh-CN" altLang="en-US" dirty="0" smtClean="0"/>
+              <a:t>协议概述</a:t>
             </a:r>
             <a:endParaRPr lang="zh-CN" altLang="en-US" dirty="0"/>
           </a:p>
@@ -4250,20 +5232,19 @@
           <a:bodyPr/>
           <a:lstStyle/>
           <a:p>
-            <a:r>
-              <a:rPr lang="zh-CN" altLang="en-US" dirty="0" smtClean="0"/>
-              <a:t>控制命令对接</a:t>
-            </a:r>
             <a:endParaRPr lang="en-US" altLang="zh-CN" dirty="0" smtClean="0"/>
           </a:p>
           <a:p>
             <a:r>
-              <a:rPr lang="zh-CN" altLang="en-US" dirty="0"/>
-              <a:t>码</a:t>
-            </a:r>
-            <a:r>
-              <a:rPr lang="zh-CN" altLang="en-US" dirty="0" smtClean="0"/>
-              <a:t>流封装解析</a:t>
+              <a:rPr lang="zh-CN" altLang="en-US" dirty="0" smtClean="0"/>
+              <a:t>统一国内安防设备、系统的接入标准，便于互联互通</a:t>
+            </a:r>
+            <a:endParaRPr lang="en-US" altLang="zh-CN" dirty="0" smtClean="0"/>
+          </a:p>
+          <a:p>
+            <a:r>
+              <a:rPr lang="zh-CN" altLang="en-US" dirty="0" smtClean="0"/>
+              <a:t>防止出现垄断安防市场的行为</a:t>
             </a:r>
             <a:endParaRPr lang="zh-CN" altLang="en-US" dirty="0"/>
           </a:p>
@@ -4272,7 +5253,7 @@
     </p:spTree>
     <p:extLst>
       <p:ext uri="{BB962C8B-B14F-4D97-AF65-F5344CB8AC3E}">
-        <p14:creationId xmlns:p14="http://schemas.microsoft.com/office/powerpoint/2010/main" val="2100071606"/>
+        <p14:creationId xmlns:p14="http://schemas.microsoft.com/office/powerpoint/2010/main" xmlns="" val="2240403549"/>
       </p:ext>
     </p:extLst>
   </p:cSld>
@@ -4286,6 +5267,225 @@
       </p:par>
     </p:tnLst>
   </p:timing>
+</p:sld>
+</file>
+
+<file path=ppt/slides/slide8.xml><?xml version="1.0" encoding="utf-8"?>
+<p:sld xmlns:a="http://schemas.openxmlformats.org/drawingml/2006/main" xmlns:r="http://schemas.openxmlformats.org/officeDocument/2006/relationships" xmlns:p="http://schemas.openxmlformats.org/presentationml/2006/main">
+  <p:cSld>
+    <p:spTree>
+      <p:nvGrpSpPr>
+        <p:cNvPr id="1" name=""/>
+        <p:cNvGrpSpPr/>
+        <p:nvPr/>
+      </p:nvGrpSpPr>
+      <p:grpSpPr>
+        <a:xfrm>
+          <a:off x="0" y="0"/>
+          <a:ext cx="0" cy="0"/>
+          <a:chOff x="0" y="0"/>
+          <a:chExt cx="0" cy="0"/>
+        </a:xfrm>
+      </p:grpSpPr>
+      <p:sp>
+        <p:nvSpPr>
+          <p:cNvPr id="2" name="标题 1"/>
+          <p:cNvSpPr>
+            <a:spLocks noGrp="1"/>
+          </p:cNvSpPr>
+          <p:nvPr>
+            <p:ph type="title"/>
+          </p:nvPr>
+        </p:nvSpPr>
+        <p:spPr/>
+        <p:txBody>
+          <a:bodyPr/>
+          <a:lstStyle/>
+          <a:p>
+            <a:r>
+              <a:rPr lang="zh-CN" altLang="en-US" dirty="0" smtClean="0"/>
+              <a:t>包含的协议与开源库</a:t>
+            </a:r>
+            <a:br>
+              <a:rPr lang="zh-CN" altLang="en-US" dirty="0" smtClean="0"/>
+            </a:br>
+            <a:r>
+              <a:rPr lang="en-US" altLang="zh-CN" dirty="0" smtClean="0"/>
+              <a:t> ——GB/T 28181</a:t>
+            </a:r>
+            <a:r>
+              <a:rPr lang="zh-CN" altLang="en-US" dirty="0" smtClean="0"/>
+              <a:t>协议概述</a:t>
+            </a:r>
+            <a:endParaRPr lang="zh-CN" altLang="en-US" dirty="0"/>
+          </a:p>
+        </p:txBody>
+      </p:sp>
+      <p:pic>
+        <p:nvPicPr>
+          <p:cNvPr id="5" name="Picture 2" descr="E:\MyMind\国标简介资料\截图\2015-05-06_205620.jpg"/>
+          <p:cNvPicPr>
+            <a:picLocks noGrp="1" noChangeAspect="1" noChangeArrowheads="1"/>
+          </p:cNvPicPr>
+          <p:nvPr>
+            <p:ph idx="1"/>
+          </p:nvPr>
+        </p:nvPicPr>
+        <p:blipFill>
+          <a:blip r:embed="rId2" cstate="print"/>
+          <a:srcRect/>
+          <a:stretch>
+            <a:fillRect/>
+          </a:stretch>
+        </p:blipFill>
+        <p:spPr bwMode="auto">
+          <a:xfrm>
+            <a:off x="971550" y="1902642"/>
+            <a:ext cx="7726363" cy="3771853"/>
+          </a:xfrm>
+          <a:prstGeom prst="rect">
+            <a:avLst/>
+          </a:prstGeom>
+          <a:noFill/>
+        </p:spPr>
+      </p:pic>
+    </p:spTree>
+  </p:cSld>
+  <p:clrMapOvr>
+    <a:masterClrMapping/>
+  </p:clrMapOvr>
+</p:sld>
+</file>
+
+<file path=ppt/slides/slide9.xml><?xml version="1.0" encoding="utf-8"?>
+<p:sld xmlns:a="http://schemas.openxmlformats.org/drawingml/2006/main" xmlns:r="http://schemas.openxmlformats.org/officeDocument/2006/relationships" xmlns:p="http://schemas.openxmlformats.org/presentationml/2006/main">
+  <p:cSld>
+    <p:spTree>
+      <p:nvGrpSpPr>
+        <p:cNvPr id="1" name=""/>
+        <p:cNvGrpSpPr/>
+        <p:nvPr/>
+      </p:nvGrpSpPr>
+      <p:grpSpPr>
+        <a:xfrm>
+          <a:off x="0" y="0"/>
+          <a:ext cx="0" cy="0"/>
+          <a:chOff x="0" y="0"/>
+          <a:chExt cx="0" cy="0"/>
+        </a:xfrm>
+      </p:grpSpPr>
+      <p:sp>
+        <p:nvSpPr>
+          <p:cNvPr id="2" name="标题 1"/>
+          <p:cNvSpPr>
+            <a:spLocks noGrp="1"/>
+          </p:cNvSpPr>
+          <p:nvPr>
+            <p:ph type="title"/>
+          </p:nvPr>
+        </p:nvSpPr>
+        <p:spPr/>
+        <p:txBody>
+          <a:bodyPr/>
+          <a:lstStyle/>
+          <a:p>
+            <a:r>
+              <a:rPr lang="zh-CN" altLang="en-US" dirty="0" smtClean="0"/>
+              <a:t>包含的协议与开源库</a:t>
+            </a:r>
+            <a:br>
+              <a:rPr lang="zh-CN" altLang="en-US" dirty="0" smtClean="0"/>
+            </a:br>
+            <a:r>
+              <a:rPr lang="en-US" altLang="zh-CN" dirty="0" smtClean="0"/>
+              <a:t> ——GB/T 28181</a:t>
+            </a:r>
+            <a:r>
+              <a:rPr lang="zh-CN" altLang="en-US" dirty="0" smtClean="0"/>
+              <a:t>协议概述</a:t>
+            </a:r>
+            <a:endParaRPr lang="zh-CN" altLang="en-US" dirty="0"/>
+          </a:p>
+        </p:txBody>
+      </p:sp>
+      <p:sp>
+        <p:nvSpPr>
+          <p:cNvPr id="3" name="内容占位符 2"/>
+          <p:cNvSpPr>
+            <a:spLocks noGrp="1"/>
+          </p:cNvSpPr>
+          <p:nvPr>
+            <p:ph idx="1"/>
+          </p:nvPr>
+        </p:nvSpPr>
+        <p:spPr/>
+        <p:txBody>
+          <a:bodyPr/>
+          <a:lstStyle/>
+          <a:p>
+            <a:r>
+              <a:rPr lang="en-US" altLang="zh-CN" dirty="0" smtClean="0"/>
+              <a:t>SIP</a:t>
+            </a:r>
+            <a:r>
+              <a:rPr lang="zh-CN" altLang="en-US" dirty="0" smtClean="0"/>
+              <a:t>开源库：</a:t>
+            </a:r>
+            <a:r>
+              <a:rPr lang="en-US" altLang="zh-CN" dirty="0" err="1" smtClean="0"/>
+              <a:t>libosip</a:t>
+            </a:r>
+            <a:r>
+              <a:rPr lang="zh-CN" altLang="en-US" dirty="0" smtClean="0"/>
+              <a:t>，</a:t>
+            </a:r>
+            <a:r>
+              <a:rPr lang="en-US" altLang="zh-CN" dirty="0" err="1" smtClean="0"/>
+              <a:t>libexosip</a:t>
+            </a:r>
+            <a:endParaRPr lang="en-US" altLang="zh-CN" dirty="0" smtClean="0"/>
+          </a:p>
+          <a:p>
+            <a:endParaRPr lang="en-US" altLang="zh-CN" dirty="0" smtClean="0"/>
+          </a:p>
+          <a:p>
+            <a:r>
+              <a:rPr lang="en-US" altLang="zh-CN" dirty="0" smtClean="0"/>
+              <a:t>RTP/RTCP</a:t>
+            </a:r>
+            <a:r>
+              <a:rPr lang="zh-CN" altLang="en-US" dirty="0" smtClean="0"/>
+              <a:t>开源库：</a:t>
+            </a:r>
+            <a:r>
+              <a:rPr lang="en-US" altLang="zh-CN" dirty="0" err="1" smtClean="0"/>
+              <a:t>ortp</a:t>
+            </a:r>
+            <a:r>
+              <a:rPr lang="zh-CN" altLang="en-US" dirty="0" smtClean="0"/>
+              <a:t>，</a:t>
+            </a:r>
+            <a:r>
+              <a:rPr lang="en-US" altLang="zh-CN" dirty="0" err="1" smtClean="0"/>
+              <a:t>jrtp</a:t>
+            </a:r>
+            <a:r>
+              <a:rPr lang="zh-CN" altLang="en-US" dirty="0" smtClean="0"/>
+              <a:t>，</a:t>
+            </a:r>
+            <a:r>
+              <a:rPr lang="en-US" altLang="zh-CN" dirty="0" smtClean="0"/>
+              <a:t>live555</a:t>
+            </a:r>
+            <a:endParaRPr lang="zh-CN" altLang="en-US" dirty="0"/>
+          </a:p>
+        </p:txBody>
+      </p:sp>
+    </p:spTree>
+  </p:cSld>
+  <p:clrMapOvr>
+    <a:masterClrMapping/>
+  </p:clrMapOvr>
 </p:sld>
 </file>
 
